--- a/scripts/python pptx example/test.pptx
+++ b/scripts/python pptx example/test.pptx
@@ -5,7 +5,7 @@
     <p:sldMasterId id="2147483648" r:id="rId1"/>
   </p:sldMasterIdLst>
   <p:sldIdLst>
-    <p:sldId r:id="rId7" id="256"/>
+    <p:sldId id="256" r:id="rId7"/>
   </p:sldIdLst>
   <p:sldSz cx="9144000" cy="6858000" type="screen4x3"/>
   <p:notesSz cx="6858000" cy="9144000"/>
@@ -3142,7 +3142,6 @@
           <a:bodyPr rtlCol="0" anchor="ctr"/>
           <a:lstStyle/>
           <a:p>
-            <a:pPr algn="ctr"/>
             <a:r>
               <a:t>Step 1</a:t>
             </a:r>
@@ -3182,7 +3181,6 @@
           <a:bodyPr rtlCol="0" anchor="ctr"/>
           <a:lstStyle/>
           <a:p>
-            <a:pPr algn="ctr"/>
             <a:r>
               <a:t>Step 2</a:t>
             </a:r>
@@ -3222,7 +3220,6 @@
           <a:bodyPr rtlCol="0" anchor="ctr"/>
           <a:lstStyle/>
           <a:p>
-            <a:pPr algn="ctr"/>
             <a:r>
               <a:t>Step 3</a:t>
             </a:r>
@@ -3262,7 +3259,6 @@
           <a:bodyPr rtlCol="0" anchor="ctr"/>
           <a:lstStyle/>
           <a:p>
-            <a:pPr algn="ctr"/>
             <a:r>
               <a:t>Step 4</a:t>
             </a:r>
@@ -3302,7 +3298,6 @@
           <a:bodyPr rtlCol="0" anchor="ctr"/>
           <a:lstStyle/>
           <a:p>
-            <a:pPr algn="ctr"/>
             <a:r>
               <a:t>Step 5</a:t>
             </a:r>
